--- a/Administracion/Ninja VS Pajarracos.pptx
+++ b/Administracion/Ninja VS Pajarracos.pptx
@@ -119,6 +119,11 @@
       </a:defRPr>
     </a:lvl9pPr>
   </p:defaultTextStyle>
+  <p:extLst>
+    <p:ext uri="{EFAFB233-063F-42B5-8137-9DF3F51BA10A}">
+      <p15:sldGuideLst xmlns:p15="http://schemas.microsoft.com/office/powerpoint/2012/main"/>
+    </p:ext>
+  </p:extLst>
 </p:presentation>
 </file>
 
@@ -834,7 +839,7 @@
           <a:noFill/>
           <a:extLst>
             <a:ext uri="{909E8E84-426E-40dd-AFC4-6F175D3DCCD1}">
-              <a14:hiddenFill xmlns:a14="http://schemas.microsoft.com/office/drawing/2010/main" xmlns="">
+              <a14:hiddenFill xmlns="" xmlns:a14="http://schemas.microsoft.com/office/drawing/2010/main">
                 <a:solidFill>
                   <a:srgbClr val="FFFFFF"/>
                 </a:solidFill>
@@ -894,7 +899,7 @@
             </a:ln>
             <a:extLst>
               <a:ext uri="{91240B29-F687-4f45-9708-019B960494DF}">
-                <a14:hiddenLine xmlns:a14="http://schemas.microsoft.com/office/drawing/2010/main" xmlns="" w="9525">
+                <a14:hiddenLine xmlns="" xmlns:a14="http://schemas.microsoft.com/office/drawing/2010/main" w="9525">
                   <a:solidFill>
                     <a:srgbClr val="000000"/>
                   </a:solidFill>
@@ -984,7 +989,7 @@
             </a:ln>
             <a:extLst>
               <a:ext uri="{91240B29-F687-4f45-9708-019B960494DF}">
-                <a14:hiddenLine xmlns:a14="http://schemas.microsoft.com/office/drawing/2010/main" xmlns="" w="9525">
+                <a14:hiddenLine xmlns="" xmlns:a14="http://schemas.microsoft.com/office/drawing/2010/main" w="9525">
                   <a:solidFill>
                     <a:srgbClr val="000000"/>
                   </a:solidFill>
@@ -1074,7 +1079,7 @@
             </a:ln>
             <a:extLst>
               <a:ext uri="{91240B29-F687-4f45-9708-019B960494DF}">
-                <a14:hiddenLine xmlns:a14="http://schemas.microsoft.com/office/drawing/2010/main" xmlns="" w="9525">
+                <a14:hiddenLine xmlns="" xmlns:a14="http://schemas.microsoft.com/office/drawing/2010/main" w="9525">
                   <a:solidFill>
                     <a:srgbClr val="000000"/>
                   </a:solidFill>
@@ -1108,7 +1113,7 @@
             </a:ln>
             <a:extLst>
               <a:ext uri="{91240B29-F687-4f45-9708-019B960494DF}">
-                <a14:hiddenLine xmlns:a14="http://schemas.microsoft.com/office/drawing/2010/main" xmlns="" w="9525">
+                <a14:hiddenLine xmlns="" xmlns:a14="http://schemas.microsoft.com/office/drawing/2010/main" w="9525">
                   <a:solidFill>
                     <a:srgbClr val="000000"/>
                   </a:solidFill>
@@ -1198,7 +1203,7 @@
             </a:ln>
             <a:extLst>
               <a:ext uri="{91240B29-F687-4f45-9708-019B960494DF}">
-                <a14:hiddenLine xmlns:a14="http://schemas.microsoft.com/office/drawing/2010/main" xmlns="" w="9525">
+                <a14:hiddenLine xmlns="" xmlns:a14="http://schemas.microsoft.com/office/drawing/2010/main" w="9525">
                   <a:solidFill>
                     <a:srgbClr val="000000"/>
                   </a:solidFill>
@@ -1260,7 +1265,7 @@
             </a:ln>
             <a:extLst>
               <a:ext uri="{91240B29-F687-4f45-9708-019B960494DF}">
-                <a14:hiddenLine xmlns:a14="http://schemas.microsoft.com/office/drawing/2010/main" xmlns="" w="9525">
+                <a14:hiddenLine xmlns="" xmlns:a14="http://schemas.microsoft.com/office/drawing/2010/main" w="9525">
                   <a:solidFill>
                     <a:srgbClr val="000000"/>
                   </a:solidFill>
@@ -1322,7 +1327,7 @@
             </a:ln>
             <a:extLst>
               <a:ext uri="{91240B29-F687-4f45-9708-019B960494DF}">
-                <a14:hiddenLine xmlns:a14="http://schemas.microsoft.com/office/drawing/2010/main" xmlns="" w="9525">
+                <a14:hiddenLine xmlns="" xmlns:a14="http://schemas.microsoft.com/office/drawing/2010/main" w="9525">
                   <a:solidFill>
                     <a:srgbClr val="000000"/>
                   </a:solidFill>
@@ -1412,7 +1417,7 @@
             </a:ln>
             <a:extLst>
               <a:ext uri="{91240B29-F687-4f45-9708-019B960494DF}">
-                <a14:hiddenLine xmlns:a14="http://schemas.microsoft.com/office/drawing/2010/main" xmlns="" w="9525">
+                <a14:hiddenLine xmlns="" xmlns:a14="http://schemas.microsoft.com/office/drawing/2010/main" w="9525">
                   <a:solidFill>
                     <a:srgbClr val="000000"/>
                   </a:solidFill>
@@ -1474,7 +1479,7 @@
             </a:ln>
             <a:extLst>
               <a:ext uri="{91240B29-F687-4f45-9708-019B960494DF}">
-                <a14:hiddenLine xmlns:a14="http://schemas.microsoft.com/office/drawing/2010/main" xmlns="" w="9525">
+                <a14:hiddenLine xmlns="" xmlns:a14="http://schemas.microsoft.com/office/drawing/2010/main" w="9525">
                   <a:solidFill>
                     <a:srgbClr val="000000"/>
                   </a:solidFill>
@@ -1536,7 +1541,7 @@
             </a:ln>
             <a:extLst>
               <a:ext uri="{91240B29-F687-4f45-9708-019B960494DF}">
-                <a14:hiddenLine xmlns:a14="http://schemas.microsoft.com/office/drawing/2010/main" xmlns="" w="9525">
+                <a14:hiddenLine xmlns="" xmlns:a14="http://schemas.microsoft.com/office/drawing/2010/main" w="9525">
                   <a:solidFill>
                     <a:srgbClr val="000000"/>
                   </a:solidFill>
@@ -1626,7 +1631,7 @@
             </a:ln>
             <a:extLst>
               <a:ext uri="{91240B29-F687-4f45-9708-019B960494DF}">
-                <a14:hiddenLine xmlns:a14="http://schemas.microsoft.com/office/drawing/2010/main" xmlns="" w="9525">
+                <a14:hiddenLine xmlns="" xmlns:a14="http://schemas.microsoft.com/office/drawing/2010/main" w="9525">
                   <a:solidFill>
                     <a:srgbClr val="000000"/>
                   </a:solidFill>
@@ -1716,7 +1721,7 @@
             </a:ln>
             <a:extLst>
               <a:ext uri="{91240B29-F687-4f45-9708-019B960494DF}">
-                <a14:hiddenLine xmlns:a14="http://schemas.microsoft.com/office/drawing/2010/main" xmlns="" w="9525">
+                <a14:hiddenLine xmlns="" xmlns:a14="http://schemas.microsoft.com/office/drawing/2010/main" w="9525">
                   <a:solidFill>
                     <a:srgbClr val="000000"/>
                   </a:solidFill>
@@ -1778,7 +1783,7 @@
             </a:ln>
             <a:extLst>
               <a:ext uri="{91240B29-F687-4f45-9708-019B960494DF}">
-                <a14:hiddenLine xmlns:a14="http://schemas.microsoft.com/office/drawing/2010/main" xmlns="" w="9525">
+                <a14:hiddenLine xmlns="" xmlns:a14="http://schemas.microsoft.com/office/drawing/2010/main" w="9525">
                   <a:solidFill>
                     <a:srgbClr val="000000"/>
                   </a:solidFill>
@@ -1888,7 +1893,7 @@
             </a:ln>
             <a:extLst>
               <a:ext uri="{91240B29-F687-4f45-9708-019B960494DF}">
-                <a14:hiddenLine xmlns:a14="http://schemas.microsoft.com/office/drawing/2010/main" xmlns="" w="9525">
+                <a14:hiddenLine xmlns="" xmlns:a14="http://schemas.microsoft.com/office/drawing/2010/main" w="9525">
                   <a:solidFill>
                     <a:srgbClr val="000000"/>
                   </a:solidFill>
@@ -1950,7 +1955,7 @@
             </a:ln>
             <a:extLst>
               <a:ext uri="{91240B29-F687-4f45-9708-019B960494DF}">
-                <a14:hiddenLine xmlns:a14="http://schemas.microsoft.com/office/drawing/2010/main" xmlns="" w="9525">
+                <a14:hiddenLine xmlns="" xmlns:a14="http://schemas.microsoft.com/office/drawing/2010/main" w="9525">
                   <a:solidFill>
                     <a:srgbClr val="000000"/>
                   </a:solidFill>
@@ -2040,7 +2045,7 @@
             </a:ln>
             <a:extLst>
               <a:ext uri="{91240B29-F687-4f45-9708-019B960494DF}">
-                <a14:hiddenLine xmlns:a14="http://schemas.microsoft.com/office/drawing/2010/main" xmlns="" w="9525">
+                <a14:hiddenLine xmlns="" xmlns:a14="http://schemas.microsoft.com/office/drawing/2010/main" w="9525">
                   <a:solidFill>
                     <a:srgbClr val="000000"/>
                   </a:solidFill>
@@ -2130,7 +2135,7 @@
             </a:ln>
             <a:extLst>
               <a:ext uri="{91240B29-F687-4f45-9708-019B960494DF}">
-                <a14:hiddenLine xmlns:a14="http://schemas.microsoft.com/office/drawing/2010/main" xmlns="" w="9525">
+                <a14:hiddenLine xmlns="" xmlns:a14="http://schemas.microsoft.com/office/drawing/2010/main" w="9525">
                   <a:solidFill>
                     <a:srgbClr val="000000"/>
                   </a:solidFill>
@@ -2192,7 +2197,7 @@
             </a:ln>
             <a:extLst>
               <a:ext uri="{91240B29-F687-4f45-9708-019B960494DF}">
-                <a14:hiddenLine xmlns:a14="http://schemas.microsoft.com/office/drawing/2010/main" xmlns="" w="9525">
+                <a14:hiddenLine xmlns="" xmlns:a14="http://schemas.microsoft.com/office/drawing/2010/main" w="9525">
                   <a:solidFill>
                     <a:srgbClr val="000000"/>
                   </a:solidFill>
@@ -2282,7 +2287,7 @@
             </a:ln>
             <a:extLst>
               <a:ext uri="{91240B29-F687-4f45-9708-019B960494DF}">
-                <a14:hiddenLine xmlns:a14="http://schemas.microsoft.com/office/drawing/2010/main" xmlns="" w="9525">
+                <a14:hiddenLine xmlns="" xmlns:a14="http://schemas.microsoft.com/office/drawing/2010/main" w="9525">
                   <a:solidFill>
                     <a:srgbClr val="000000"/>
                   </a:solidFill>
@@ -2372,7 +2377,7 @@
             </a:ln>
             <a:extLst>
               <a:ext uri="{91240B29-F687-4f45-9708-019B960494DF}">
-                <a14:hiddenLine xmlns:a14="http://schemas.microsoft.com/office/drawing/2010/main" xmlns="" w="9525">
+                <a14:hiddenLine xmlns="" xmlns:a14="http://schemas.microsoft.com/office/drawing/2010/main" w="9525">
                   <a:solidFill>
                     <a:srgbClr val="000000"/>
                   </a:solidFill>
@@ -2428,7 +2433,7 @@
             </a:ln>
             <a:extLst>
               <a:ext uri="{91240B29-F687-4f45-9708-019B960494DF}">
-                <a14:hiddenLine xmlns:a14="http://schemas.microsoft.com/office/drawing/2010/main" xmlns="" w="9525">
+                <a14:hiddenLine xmlns="" xmlns:a14="http://schemas.microsoft.com/office/drawing/2010/main" w="9525">
                   <a:solidFill>
                     <a:srgbClr val="000000"/>
                   </a:solidFill>
@@ -2518,7 +2523,7 @@
             </a:ln>
             <a:extLst>
               <a:ext uri="{91240B29-F687-4f45-9708-019B960494DF}">
-                <a14:hiddenLine xmlns:a14="http://schemas.microsoft.com/office/drawing/2010/main" xmlns="" w="9525">
+                <a14:hiddenLine xmlns="" xmlns:a14="http://schemas.microsoft.com/office/drawing/2010/main" w="9525">
                   <a:solidFill>
                     <a:srgbClr val="000000"/>
                   </a:solidFill>
@@ -2574,7 +2579,7 @@
             </a:ln>
             <a:extLst>
               <a:ext uri="{91240B29-F687-4f45-9708-019B960494DF}">
-                <a14:hiddenLine xmlns:a14="http://schemas.microsoft.com/office/drawing/2010/main" xmlns="" w="9525">
+                <a14:hiddenLine xmlns="" xmlns:a14="http://schemas.microsoft.com/office/drawing/2010/main" w="9525">
                   <a:solidFill>
                     <a:srgbClr val="000000"/>
                   </a:solidFill>
@@ -2664,7 +2669,7 @@
             </a:ln>
             <a:extLst>
               <a:ext uri="{91240B29-F687-4f45-9708-019B960494DF}">
-                <a14:hiddenLine xmlns:a14="http://schemas.microsoft.com/office/drawing/2010/main" xmlns="" w="9525">
+                <a14:hiddenLine xmlns="" xmlns:a14="http://schemas.microsoft.com/office/drawing/2010/main" w="9525">
                   <a:solidFill>
                     <a:srgbClr val="000000"/>
                   </a:solidFill>
@@ -2732,7 +2737,7 @@
             </a:ln>
             <a:extLst>
               <a:ext uri="{91240B29-F687-4f45-9708-019B960494DF}">
-                <a14:hiddenLine xmlns:a14="http://schemas.microsoft.com/office/drawing/2010/main" xmlns="" w="9525">
+                <a14:hiddenLine xmlns="" xmlns:a14="http://schemas.microsoft.com/office/drawing/2010/main" w="9525">
                   <a:solidFill>
                     <a:srgbClr val="000000"/>
                   </a:solidFill>
@@ -2822,7 +2827,7 @@
             </a:ln>
             <a:extLst>
               <a:ext uri="{91240B29-F687-4f45-9708-019B960494DF}">
-                <a14:hiddenLine xmlns:a14="http://schemas.microsoft.com/office/drawing/2010/main" xmlns="" w="9525">
+                <a14:hiddenLine xmlns="" xmlns:a14="http://schemas.microsoft.com/office/drawing/2010/main" w="9525">
                   <a:solidFill>
                     <a:srgbClr val="000000"/>
                   </a:solidFill>
@@ -2890,7 +2895,7 @@
             </a:ln>
             <a:extLst>
               <a:ext uri="{91240B29-F687-4f45-9708-019B960494DF}">
-                <a14:hiddenLine xmlns:a14="http://schemas.microsoft.com/office/drawing/2010/main" xmlns="" w="9525">
+                <a14:hiddenLine xmlns="" xmlns:a14="http://schemas.microsoft.com/office/drawing/2010/main" w="9525">
                   <a:solidFill>
                     <a:srgbClr val="000000"/>
                   </a:solidFill>
@@ -2980,7 +2985,7 @@
             </a:ln>
             <a:extLst>
               <a:ext uri="{91240B29-F687-4f45-9708-019B960494DF}">
-                <a14:hiddenLine xmlns:a14="http://schemas.microsoft.com/office/drawing/2010/main" xmlns="" w="9525">
+                <a14:hiddenLine xmlns="" xmlns:a14="http://schemas.microsoft.com/office/drawing/2010/main" w="9525">
                   <a:solidFill>
                     <a:srgbClr val="000000"/>
                   </a:solidFill>
@@ -3014,7 +3019,7 @@
             </a:ln>
             <a:extLst>
               <a:ext uri="{91240B29-F687-4f45-9708-019B960494DF}">
-                <a14:hiddenLine xmlns:a14="http://schemas.microsoft.com/office/drawing/2010/main" xmlns="" w="9525">
+                <a14:hiddenLine xmlns="" xmlns:a14="http://schemas.microsoft.com/office/drawing/2010/main" w="9525">
                   <a:solidFill>
                     <a:srgbClr val="000000"/>
                   </a:solidFill>
@@ -3104,7 +3109,7 @@
             </a:ln>
             <a:extLst>
               <a:ext uri="{91240B29-F687-4f45-9708-019B960494DF}">
-                <a14:hiddenLine xmlns:a14="http://schemas.microsoft.com/office/drawing/2010/main" xmlns="" w="9525">
+                <a14:hiddenLine xmlns="" xmlns:a14="http://schemas.microsoft.com/office/drawing/2010/main" w="9525">
                   <a:solidFill>
                     <a:srgbClr val="000000"/>
                   </a:solidFill>
@@ -3166,7 +3171,7 @@
             </a:ln>
             <a:extLst>
               <a:ext uri="{91240B29-F687-4f45-9708-019B960494DF}">
-                <a14:hiddenLine xmlns:a14="http://schemas.microsoft.com/office/drawing/2010/main" xmlns="" w="9525">
+                <a14:hiddenLine xmlns="" xmlns:a14="http://schemas.microsoft.com/office/drawing/2010/main" w="9525">
                   <a:solidFill>
                     <a:srgbClr val="000000"/>
                   </a:solidFill>
@@ -3228,7 +3233,7 @@
             </a:ln>
             <a:extLst>
               <a:ext uri="{91240B29-F687-4f45-9708-019B960494DF}">
-                <a14:hiddenLine xmlns:a14="http://schemas.microsoft.com/office/drawing/2010/main" xmlns="" w="9525">
+                <a14:hiddenLine xmlns="" xmlns:a14="http://schemas.microsoft.com/office/drawing/2010/main" w="9525">
                   <a:solidFill>
                     <a:srgbClr val="000000"/>
                   </a:solidFill>
@@ -3318,7 +3323,7 @@
             </a:ln>
             <a:extLst>
               <a:ext uri="{91240B29-F687-4f45-9708-019B960494DF}">
-                <a14:hiddenLine xmlns:a14="http://schemas.microsoft.com/office/drawing/2010/main" xmlns="" w="9525">
+                <a14:hiddenLine xmlns="" xmlns:a14="http://schemas.microsoft.com/office/drawing/2010/main" w="9525">
                   <a:solidFill>
                     <a:srgbClr val="000000"/>
                   </a:solidFill>
@@ -3386,7 +3391,7 @@
             </a:ln>
             <a:extLst>
               <a:ext uri="{91240B29-F687-4f45-9708-019B960494DF}">
-                <a14:hiddenLine xmlns:a14="http://schemas.microsoft.com/office/drawing/2010/main" xmlns="" w="9525">
+                <a14:hiddenLine xmlns="" xmlns:a14="http://schemas.microsoft.com/office/drawing/2010/main" w="9525">
                   <a:solidFill>
                     <a:srgbClr val="000000"/>
                   </a:solidFill>
@@ -3448,7 +3453,7 @@
             </a:ln>
             <a:extLst>
               <a:ext uri="{91240B29-F687-4f45-9708-019B960494DF}">
-                <a14:hiddenLine xmlns:a14="http://schemas.microsoft.com/office/drawing/2010/main" xmlns="" w="9525">
+                <a14:hiddenLine xmlns="" xmlns:a14="http://schemas.microsoft.com/office/drawing/2010/main" w="9525">
                   <a:solidFill>
                     <a:srgbClr val="000000"/>
                   </a:solidFill>
@@ -3538,7 +3543,7 @@
             </a:ln>
             <a:extLst>
               <a:ext uri="{91240B29-F687-4f45-9708-019B960494DF}">
-                <a14:hiddenLine xmlns:a14="http://schemas.microsoft.com/office/drawing/2010/main" xmlns="" w="9525">
+                <a14:hiddenLine xmlns="" xmlns:a14="http://schemas.microsoft.com/office/drawing/2010/main" w="9525">
                   <a:solidFill>
                     <a:srgbClr val="000000"/>
                   </a:solidFill>
@@ -3600,7 +3605,7 @@
             </a:ln>
             <a:extLst>
               <a:ext uri="{91240B29-F687-4f45-9708-019B960494DF}">
-                <a14:hiddenLine xmlns:a14="http://schemas.microsoft.com/office/drawing/2010/main" xmlns="" w="9525">
+                <a14:hiddenLine xmlns="" xmlns:a14="http://schemas.microsoft.com/office/drawing/2010/main" w="9525">
                   <a:solidFill>
                     <a:srgbClr val="000000"/>
                   </a:solidFill>
@@ -3690,7 +3695,7 @@
             </a:ln>
             <a:extLst>
               <a:ext uri="{91240B29-F687-4f45-9708-019B960494DF}">
-                <a14:hiddenLine xmlns:a14="http://schemas.microsoft.com/office/drawing/2010/main" xmlns="" w="9525">
+                <a14:hiddenLine xmlns="" xmlns:a14="http://schemas.microsoft.com/office/drawing/2010/main" w="9525">
                   <a:solidFill>
                     <a:srgbClr val="000000"/>
                   </a:solidFill>
@@ -3752,7 +3757,7 @@
             </a:ln>
             <a:extLst>
               <a:ext uri="{91240B29-F687-4f45-9708-019B960494DF}">
-                <a14:hiddenLine xmlns:a14="http://schemas.microsoft.com/office/drawing/2010/main" xmlns="" w="9525">
+                <a14:hiddenLine xmlns="" xmlns:a14="http://schemas.microsoft.com/office/drawing/2010/main" w="9525">
                   <a:solidFill>
                     <a:srgbClr val="000000"/>
                   </a:solidFill>
@@ -3842,7 +3847,7 @@
             </a:ln>
             <a:extLst>
               <a:ext uri="{91240B29-F687-4f45-9708-019B960494DF}">
-                <a14:hiddenLine xmlns:a14="http://schemas.microsoft.com/office/drawing/2010/main" xmlns="" w="9525">
+                <a14:hiddenLine xmlns="" xmlns:a14="http://schemas.microsoft.com/office/drawing/2010/main" w="9525">
                   <a:solidFill>
                     <a:srgbClr val="000000"/>
                   </a:solidFill>
@@ -3876,7 +3881,7 @@
             </a:ln>
             <a:extLst>
               <a:ext uri="{91240B29-F687-4f45-9708-019B960494DF}">
-                <a14:hiddenLine xmlns:a14="http://schemas.microsoft.com/office/drawing/2010/main" xmlns="" w="9525">
+                <a14:hiddenLine xmlns="" xmlns:a14="http://schemas.microsoft.com/office/drawing/2010/main" w="9525">
                   <a:solidFill>
                     <a:srgbClr val="000000"/>
                   </a:solidFill>
@@ -3941,7 +3946,7 @@
             </a:ln>
             <a:extLst>
               <a:ext uri="{91240B29-F687-4f45-9708-019B960494DF}">
-                <a14:hiddenLine xmlns:a14="http://schemas.microsoft.com/office/drawing/2010/main" xmlns="" w="9525">
+                <a14:hiddenLine xmlns="" xmlns:a14="http://schemas.microsoft.com/office/drawing/2010/main" w="9525">
                   <a:solidFill>
                     <a:srgbClr val="000000"/>
                   </a:solidFill>
@@ -4031,7 +4036,7 @@
             </a:ln>
             <a:extLst>
               <a:ext uri="{91240B29-F687-4f45-9708-019B960494DF}">
-                <a14:hiddenLine xmlns:a14="http://schemas.microsoft.com/office/drawing/2010/main" xmlns="" w="9525">
+                <a14:hiddenLine xmlns="" xmlns:a14="http://schemas.microsoft.com/office/drawing/2010/main" w="9525">
                   <a:solidFill>
                     <a:srgbClr val="000000"/>
                   </a:solidFill>
@@ -4093,7 +4098,7 @@
             </a:ln>
             <a:extLst>
               <a:ext uri="{91240B29-F687-4f45-9708-019B960494DF}">
-                <a14:hiddenLine xmlns:a14="http://schemas.microsoft.com/office/drawing/2010/main" xmlns="" w="9525">
+                <a14:hiddenLine xmlns="" xmlns:a14="http://schemas.microsoft.com/office/drawing/2010/main" w="9525">
                   <a:solidFill>
                     <a:srgbClr val="000000"/>
                   </a:solidFill>
@@ -4183,7 +4188,7 @@
             </a:ln>
             <a:extLst>
               <a:ext uri="{91240B29-F687-4f45-9708-019B960494DF}">
-                <a14:hiddenLine xmlns:a14="http://schemas.microsoft.com/office/drawing/2010/main" xmlns="" w="9525">
+                <a14:hiddenLine xmlns="" xmlns:a14="http://schemas.microsoft.com/office/drawing/2010/main" w="9525">
                   <a:solidFill>
                     <a:srgbClr val="000000"/>
                   </a:solidFill>
@@ -4273,7 +4278,7 @@
             </a:ln>
             <a:extLst>
               <a:ext uri="{91240B29-F687-4f45-9708-019B960494DF}">
-                <a14:hiddenLine xmlns:a14="http://schemas.microsoft.com/office/drawing/2010/main" xmlns="" w="9525">
+                <a14:hiddenLine xmlns="" xmlns:a14="http://schemas.microsoft.com/office/drawing/2010/main" w="9525">
                   <a:solidFill>
                     <a:srgbClr val="000000"/>
                   </a:solidFill>
@@ -4338,7 +4343,7 @@
             </a:ln>
             <a:extLst>
               <a:ext uri="{91240B29-F687-4f45-9708-019B960494DF}">
-                <a14:hiddenLine xmlns:a14="http://schemas.microsoft.com/office/drawing/2010/main" xmlns="" w="9525">
+                <a14:hiddenLine xmlns="" xmlns:a14="http://schemas.microsoft.com/office/drawing/2010/main" w="9525">
                   <a:solidFill>
                     <a:srgbClr val="000000"/>
                   </a:solidFill>
@@ -4400,7 +4405,7 @@
             </a:ln>
             <a:extLst>
               <a:ext uri="{91240B29-F687-4f45-9708-019B960494DF}">
-                <a14:hiddenLine xmlns:a14="http://schemas.microsoft.com/office/drawing/2010/main" xmlns="" w="9525">
+                <a14:hiddenLine xmlns="" xmlns:a14="http://schemas.microsoft.com/office/drawing/2010/main" w="9525">
                   <a:solidFill>
                     <a:srgbClr val="000000"/>
                   </a:solidFill>
@@ -4490,7 +4495,7 @@
             </a:ln>
             <a:extLst>
               <a:ext uri="{91240B29-F687-4f45-9708-019B960494DF}">
-                <a14:hiddenLine xmlns:a14="http://schemas.microsoft.com/office/drawing/2010/main" xmlns="" w="9525">
+                <a14:hiddenLine xmlns="" xmlns:a14="http://schemas.microsoft.com/office/drawing/2010/main" w="9525">
                   <a:solidFill>
                     <a:srgbClr val="000000"/>
                   </a:solidFill>
@@ -4580,7 +4585,7 @@
             </a:ln>
             <a:extLst>
               <a:ext uri="{91240B29-F687-4f45-9708-019B960494DF}">
-                <a14:hiddenLine xmlns:a14="http://schemas.microsoft.com/office/drawing/2010/main" xmlns="" w="9525">
+                <a14:hiddenLine xmlns="" xmlns:a14="http://schemas.microsoft.com/office/drawing/2010/main" w="9525">
                   <a:solidFill>
                     <a:srgbClr val="000000"/>
                   </a:solidFill>
@@ -4642,7 +4647,7 @@
             </a:ln>
             <a:extLst>
               <a:ext uri="{91240B29-F687-4f45-9708-019B960494DF}">
-                <a14:hiddenLine xmlns:a14="http://schemas.microsoft.com/office/drawing/2010/main" xmlns="" w="9525">
+                <a14:hiddenLine xmlns="" xmlns:a14="http://schemas.microsoft.com/office/drawing/2010/main" w="9525">
                   <a:solidFill>
                     <a:srgbClr val="000000"/>
                   </a:solidFill>
@@ -4762,7 +4767,7 @@
             </a:ln>
             <a:extLst>
               <a:ext uri="{91240B29-F687-4f45-9708-019B960494DF}">
-                <a14:hiddenLine xmlns:a14="http://schemas.microsoft.com/office/drawing/2010/main" xmlns="" w="9525">
+                <a14:hiddenLine xmlns="" xmlns:a14="http://schemas.microsoft.com/office/drawing/2010/main" w="9525">
                   <a:solidFill>
                     <a:srgbClr val="000000"/>
                   </a:solidFill>
@@ -4830,7 +4835,7 @@
             </a:ln>
             <a:extLst>
               <a:ext uri="{91240B29-F687-4f45-9708-019B960494DF}">
-                <a14:hiddenLine xmlns:a14="http://schemas.microsoft.com/office/drawing/2010/main" xmlns="" w="9525">
+                <a14:hiddenLine xmlns="" xmlns:a14="http://schemas.microsoft.com/office/drawing/2010/main" w="9525">
                   <a:solidFill>
                     <a:srgbClr val="000000"/>
                   </a:solidFill>
@@ -4920,7 +4925,7 @@
             </a:ln>
             <a:extLst>
               <a:ext uri="{91240B29-F687-4f45-9708-019B960494DF}">
-                <a14:hiddenLine xmlns:a14="http://schemas.microsoft.com/office/drawing/2010/main" xmlns="" w="9525">
+                <a14:hiddenLine xmlns="" xmlns:a14="http://schemas.microsoft.com/office/drawing/2010/main" w="9525">
                   <a:solidFill>
                     <a:srgbClr val="000000"/>
                   </a:solidFill>
@@ -9642,7 +9647,7 @@
           <a:noFill/>
           <a:extLst>
             <a:ext uri="{909E8E84-426E-40dd-AFC4-6F175D3DCCD1}">
-              <a14:hiddenFill xmlns:a14="http://schemas.microsoft.com/office/drawing/2010/main" xmlns="">
+              <a14:hiddenFill xmlns="" xmlns:a14="http://schemas.microsoft.com/office/drawing/2010/main">
                 <a:solidFill>
                   <a:srgbClr val="FFFFFF"/>
                 </a:solidFill>
@@ -9716,7 +9721,7 @@
               </a:ln>
               <a:extLst>
                 <a:ext uri="{91240B29-F687-4f45-9708-019B960494DF}">
-                  <a14:hiddenLine xmlns:a14="http://schemas.microsoft.com/office/drawing/2010/main" xmlns="" w="9525">
+                  <a14:hiddenLine xmlns="" xmlns:a14="http://schemas.microsoft.com/office/drawing/2010/main" w="9525">
                     <a:solidFill>
                       <a:srgbClr val="000000"/>
                     </a:solidFill>
@@ -9806,7 +9811,7 @@
               </a:ln>
               <a:extLst>
                 <a:ext uri="{91240B29-F687-4f45-9708-019B960494DF}">
-                  <a14:hiddenLine xmlns:a14="http://schemas.microsoft.com/office/drawing/2010/main" xmlns="" w="9525">
+                  <a14:hiddenLine xmlns="" xmlns:a14="http://schemas.microsoft.com/office/drawing/2010/main" w="9525">
                     <a:solidFill>
                       <a:srgbClr val="000000"/>
                     </a:solidFill>
@@ -9896,7 +9901,7 @@
               </a:ln>
               <a:extLst>
                 <a:ext uri="{91240B29-F687-4f45-9708-019B960494DF}">
-                  <a14:hiddenLine xmlns:a14="http://schemas.microsoft.com/office/drawing/2010/main" xmlns="" w="9525">
+                  <a14:hiddenLine xmlns="" xmlns:a14="http://schemas.microsoft.com/office/drawing/2010/main" w="9525">
                     <a:solidFill>
                       <a:srgbClr val="000000"/>
                     </a:solidFill>
@@ -9958,7 +9963,7 @@
               </a:ln>
               <a:extLst>
                 <a:ext uri="{91240B29-F687-4f45-9708-019B960494DF}">
-                  <a14:hiddenLine xmlns:a14="http://schemas.microsoft.com/office/drawing/2010/main" xmlns="" w="9525">
+                  <a14:hiddenLine xmlns="" xmlns:a14="http://schemas.microsoft.com/office/drawing/2010/main" w="9525">
                     <a:solidFill>
                       <a:srgbClr val="000000"/>
                     </a:solidFill>
@@ -10048,7 +10053,7 @@
               </a:ln>
               <a:extLst>
                 <a:ext uri="{91240B29-F687-4f45-9708-019B960494DF}">
-                  <a14:hiddenLine xmlns:a14="http://schemas.microsoft.com/office/drawing/2010/main" xmlns="" w="9525">
+                  <a14:hiddenLine xmlns="" xmlns:a14="http://schemas.microsoft.com/office/drawing/2010/main" w="9525">
                     <a:solidFill>
                       <a:srgbClr val="000000"/>
                     </a:solidFill>
@@ -10110,7 +10115,7 @@
               </a:ln>
               <a:extLst>
                 <a:ext uri="{91240B29-F687-4f45-9708-019B960494DF}">
-                  <a14:hiddenLine xmlns:a14="http://schemas.microsoft.com/office/drawing/2010/main" xmlns="" w="9525">
+                  <a14:hiddenLine xmlns="" xmlns:a14="http://schemas.microsoft.com/office/drawing/2010/main" w="9525">
                     <a:solidFill>
                       <a:srgbClr val="000000"/>
                     </a:solidFill>
@@ -10172,7 +10177,7 @@
               </a:ln>
               <a:extLst>
                 <a:ext uri="{91240B29-F687-4f45-9708-019B960494DF}">
-                  <a14:hiddenLine xmlns:a14="http://schemas.microsoft.com/office/drawing/2010/main" xmlns="" w="9525">
+                  <a14:hiddenLine xmlns="" xmlns:a14="http://schemas.microsoft.com/office/drawing/2010/main" w="9525">
                     <a:solidFill>
                       <a:srgbClr val="000000"/>
                     </a:solidFill>
@@ -10262,7 +10267,7 @@
               </a:ln>
               <a:extLst>
                 <a:ext uri="{91240B29-F687-4f45-9708-019B960494DF}">
-                  <a14:hiddenLine xmlns:a14="http://schemas.microsoft.com/office/drawing/2010/main" xmlns="" w="9525">
+                  <a14:hiddenLine xmlns="" xmlns:a14="http://schemas.microsoft.com/office/drawing/2010/main" w="9525">
                     <a:solidFill>
                       <a:srgbClr val="000000"/>
                     </a:solidFill>
@@ -10352,7 +10357,7 @@
               </a:ln>
               <a:extLst>
                 <a:ext uri="{91240B29-F687-4f45-9708-019B960494DF}">
-                  <a14:hiddenLine xmlns:a14="http://schemas.microsoft.com/office/drawing/2010/main" xmlns="" w="9525">
+                  <a14:hiddenLine xmlns="" xmlns:a14="http://schemas.microsoft.com/office/drawing/2010/main" w="9525">
                     <a:solidFill>
                       <a:srgbClr val="000000"/>
                     </a:solidFill>
@@ -10414,7 +10419,7 @@
               </a:ln>
               <a:extLst>
                 <a:ext uri="{91240B29-F687-4f45-9708-019B960494DF}">
-                  <a14:hiddenLine xmlns:a14="http://schemas.microsoft.com/office/drawing/2010/main" xmlns="" w="9525">
+                  <a14:hiddenLine xmlns="" xmlns:a14="http://schemas.microsoft.com/office/drawing/2010/main" w="9525">
                     <a:solidFill>
                       <a:srgbClr val="000000"/>
                     </a:solidFill>
@@ -10524,7 +10529,7 @@
               </a:ln>
               <a:extLst>
                 <a:ext uri="{91240B29-F687-4f45-9708-019B960494DF}">
-                  <a14:hiddenLine xmlns:a14="http://schemas.microsoft.com/office/drawing/2010/main" xmlns="" w="9525">
+                  <a14:hiddenLine xmlns="" xmlns:a14="http://schemas.microsoft.com/office/drawing/2010/main" w="9525">
                     <a:solidFill>
                       <a:srgbClr val="000000"/>
                     </a:solidFill>
@@ -10608,7 +10613,7 @@
               </a:ln>
               <a:extLst>
                 <a:ext uri="{91240B29-F687-4f45-9708-019B960494DF}">
-                  <a14:hiddenLine xmlns:a14="http://schemas.microsoft.com/office/drawing/2010/main" xmlns="" w="9525">
+                  <a14:hiddenLine xmlns="" xmlns:a14="http://schemas.microsoft.com/office/drawing/2010/main" w="9525">
                     <a:solidFill>
                       <a:srgbClr val="000000"/>
                     </a:solidFill>
@@ -10670,7 +10675,7 @@
               </a:ln>
               <a:extLst>
                 <a:ext uri="{91240B29-F687-4f45-9708-019B960494DF}">
-                  <a14:hiddenLine xmlns:a14="http://schemas.microsoft.com/office/drawing/2010/main" xmlns="" w="9525">
+                  <a14:hiddenLine xmlns="" xmlns:a14="http://schemas.microsoft.com/office/drawing/2010/main" w="9525">
                     <a:solidFill>
                       <a:srgbClr val="000000"/>
                     </a:solidFill>
@@ -10732,7 +10737,7 @@
               </a:ln>
               <a:extLst>
                 <a:ext uri="{91240B29-F687-4f45-9708-019B960494DF}">
-                  <a14:hiddenLine xmlns:a14="http://schemas.microsoft.com/office/drawing/2010/main" xmlns="" w="9525">
+                  <a14:hiddenLine xmlns="" xmlns:a14="http://schemas.microsoft.com/office/drawing/2010/main" w="9525">
                     <a:solidFill>
                       <a:srgbClr val="000000"/>
                     </a:solidFill>
@@ -10822,7 +10827,7 @@
               </a:ln>
               <a:extLst>
                 <a:ext uri="{91240B29-F687-4f45-9708-019B960494DF}">
-                  <a14:hiddenLine xmlns:a14="http://schemas.microsoft.com/office/drawing/2010/main" xmlns="" w="9525">
+                  <a14:hiddenLine xmlns="" xmlns:a14="http://schemas.microsoft.com/office/drawing/2010/main" w="9525">
                     <a:solidFill>
                       <a:srgbClr val="000000"/>
                     </a:solidFill>
@@ -10856,7 +10861,7 @@
               </a:ln>
               <a:extLst>
                 <a:ext uri="{91240B29-F687-4f45-9708-019B960494DF}">
-                  <a14:hiddenLine xmlns:a14="http://schemas.microsoft.com/office/drawing/2010/main" xmlns="" w="9525">
+                  <a14:hiddenLine xmlns="" xmlns:a14="http://schemas.microsoft.com/office/drawing/2010/main" w="9525">
                     <a:solidFill>
                       <a:srgbClr val="000000"/>
                     </a:solidFill>
@@ -10921,7 +10926,7 @@
               </a:ln>
               <a:extLst>
                 <a:ext uri="{91240B29-F687-4f45-9708-019B960494DF}">
-                  <a14:hiddenLine xmlns:a14="http://schemas.microsoft.com/office/drawing/2010/main" xmlns="" w="9525">
+                  <a14:hiddenLine xmlns="" xmlns:a14="http://schemas.microsoft.com/office/drawing/2010/main" w="9525">
                     <a:solidFill>
                       <a:srgbClr val="000000"/>
                     </a:solidFill>
@@ -11011,7 +11016,7 @@
               </a:ln>
               <a:extLst>
                 <a:ext uri="{91240B29-F687-4f45-9708-019B960494DF}">
-                  <a14:hiddenLine xmlns:a14="http://schemas.microsoft.com/office/drawing/2010/main" xmlns="" w="9525">
+                  <a14:hiddenLine xmlns="" xmlns:a14="http://schemas.microsoft.com/office/drawing/2010/main" w="9525">
                     <a:solidFill>
                       <a:srgbClr val="000000"/>
                     </a:solidFill>
@@ -11073,7 +11078,7 @@
               </a:ln>
               <a:extLst>
                 <a:ext uri="{91240B29-F687-4f45-9708-019B960494DF}">
-                  <a14:hiddenLine xmlns:a14="http://schemas.microsoft.com/office/drawing/2010/main" xmlns="" w="9525">
+                  <a14:hiddenLine xmlns="" xmlns:a14="http://schemas.microsoft.com/office/drawing/2010/main" w="9525">
                     <a:solidFill>
                       <a:srgbClr val="000000"/>
                     </a:solidFill>
@@ -11163,7 +11168,7 @@
               </a:ln>
               <a:extLst>
                 <a:ext uri="{91240B29-F687-4f45-9708-019B960494DF}">
-                  <a14:hiddenLine xmlns:a14="http://schemas.microsoft.com/office/drawing/2010/main" xmlns="" w="9525">
+                  <a14:hiddenLine xmlns="" xmlns:a14="http://schemas.microsoft.com/office/drawing/2010/main" w="9525">
                     <a:solidFill>
                       <a:srgbClr val="000000"/>
                     </a:solidFill>
@@ -11228,7 +11233,7 @@
               </a:ln>
               <a:extLst>
                 <a:ext uri="{91240B29-F687-4f45-9708-019B960494DF}">
-                  <a14:hiddenLine xmlns:a14="http://schemas.microsoft.com/office/drawing/2010/main" xmlns="" w="9525">
+                  <a14:hiddenLine xmlns="" xmlns:a14="http://schemas.microsoft.com/office/drawing/2010/main" w="9525">
                     <a:solidFill>
                       <a:srgbClr val="000000"/>
                     </a:solidFill>
@@ -11290,7 +11295,7 @@
               </a:ln>
               <a:extLst>
                 <a:ext uri="{91240B29-F687-4f45-9708-019B960494DF}">
-                  <a14:hiddenLine xmlns:a14="http://schemas.microsoft.com/office/drawing/2010/main" xmlns="" w="9525">
+                  <a14:hiddenLine xmlns="" xmlns:a14="http://schemas.microsoft.com/office/drawing/2010/main" w="9525">
                     <a:solidFill>
                       <a:srgbClr val="000000"/>
                     </a:solidFill>
@@ -11380,7 +11385,7 @@
               </a:ln>
               <a:extLst>
                 <a:ext uri="{91240B29-F687-4f45-9708-019B960494DF}">
-                  <a14:hiddenLine xmlns:a14="http://schemas.microsoft.com/office/drawing/2010/main" xmlns="" w="9525">
+                  <a14:hiddenLine xmlns="" xmlns:a14="http://schemas.microsoft.com/office/drawing/2010/main" w="9525">
                     <a:solidFill>
                       <a:srgbClr val="000000"/>
                     </a:solidFill>
@@ -11470,7 +11475,7 @@
               </a:ln>
               <a:extLst>
                 <a:ext uri="{91240B29-F687-4f45-9708-019B960494DF}">
-                  <a14:hiddenLine xmlns:a14="http://schemas.microsoft.com/office/drawing/2010/main" xmlns="" w="9525">
+                  <a14:hiddenLine xmlns="" xmlns:a14="http://schemas.microsoft.com/office/drawing/2010/main" w="9525">
                     <a:solidFill>
                       <a:srgbClr val="000000"/>
                     </a:solidFill>
@@ -11535,7 +11540,7 @@
               </a:ln>
               <a:extLst>
                 <a:ext uri="{91240B29-F687-4f45-9708-019B960494DF}">
-                  <a14:hiddenLine xmlns:a14="http://schemas.microsoft.com/office/drawing/2010/main" xmlns="" w="9525">
+                  <a14:hiddenLine xmlns="" xmlns:a14="http://schemas.microsoft.com/office/drawing/2010/main" w="9525">
                     <a:solidFill>
                       <a:srgbClr val="000000"/>
                     </a:solidFill>
@@ -11655,7 +11660,7 @@
               </a:ln>
               <a:extLst>
                 <a:ext uri="{91240B29-F687-4f45-9708-019B960494DF}">
-                  <a14:hiddenLine xmlns:a14="http://schemas.microsoft.com/office/drawing/2010/main" xmlns="" w="9525">
+                  <a14:hiddenLine xmlns="" xmlns:a14="http://schemas.microsoft.com/office/drawing/2010/main" w="9525">
                     <a:solidFill>
                       <a:srgbClr val="000000"/>
                     </a:solidFill>
@@ -11753,7 +11758,7 @@
               </a:ln>
               <a:extLst>
                 <a:ext uri="{91240B29-F687-4f45-9708-019B960494DF}">
-                  <a14:hiddenLine xmlns:a14="http://schemas.microsoft.com/office/drawing/2010/main" xmlns="" w="9525">
+                  <a14:hiddenLine xmlns="" xmlns:a14="http://schemas.microsoft.com/office/drawing/2010/main" w="9525">
                     <a:solidFill>
                       <a:srgbClr val="000000"/>
                     </a:solidFill>
@@ -11868,7 +11873,7 @@
               </a:ln>
               <a:extLst>
                 <a:ext uri="{91240B29-F687-4f45-9708-019B960494DF}">
-                  <a14:hiddenLine xmlns:a14="http://schemas.microsoft.com/office/drawing/2010/main" xmlns="" w="9525">
+                  <a14:hiddenLine xmlns="" xmlns:a14="http://schemas.microsoft.com/office/drawing/2010/main" w="9525">
                     <a:solidFill>
                       <a:srgbClr val="000000"/>
                     </a:solidFill>
@@ -11958,7 +11963,7 @@
               </a:ln>
               <a:extLst>
                 <a:ext uri="{91240B29-F687-4f45-9708-019B960494DF}">
-                  <a14:hiddenLine xmlns:a14="http://schemas.microsoft.com/office/drawing/2010/main" xmlns="" w="9525">
+                  <a14:hiddenLine xmlns="" xmlns:a14="http://schemas.microsoft.com/office/drawing/2010/main" w="9525">
                     <a:solidFill>
                       <a:srgbClr val="000000"/>
                     </a:solidFill>
@@ -12023,7 +12028,7 @@
               </a:ln>
               <a:extLst>
                 <a:ext uri="{91240B29-F687-4f45-9708-019B960494DF}">
-                  <a14:hiddenLine xmlns:a14="http://schemas.microsoft.com/office/drawing/2010/main" xmlns="" w="9525">
+                  <a14:hiddenLine xmlns="" xmlns:a14="http://schemas.microsoft.com/office/drawing/2010/main" w="9525">
                     <a:solidFill>
                       <a:srgbClr val="000000"/>
                     </a:solidFill>
@@ -12113,7 +12118,7 @@
               </a:ln>
               <a:extLst>
                 <a:ext uri="{91240B29-F687-4f45-9708-019B960494DF}">
-                  <a14:hiddenLine xmlns:a14="http://schemas.microsoft.com/office/drawing/2010/main" xmlns="" w="9525">
+                  <a14:hiddenLine xmlns="" xmlns:a14="http://schemas.microsoft.com/office/drawing/2010/main" w="9525">
                     <a:solidFill>
                       <a:srgbClr val="000000"/>
                     </a:solidFill>
@@ -12181,7 +12186,7 @@
               </a:ln>
               <a:extLst>
                 <a:ext uri="{91240B29-F687-4f45-9708-019B960494DF}">
-                  <a14:hiddenLine xmlns:a14="http://schemas.microsoft.com/office/drawing/2010/main" xmlns="" w="9525">
+                  <a14:hiddenLine xmlns="" xmlns:a14="http://schemas.microsoft.com/office/drawing/2010/main" w="9525">
                     <a:solidFill>
                       <a:srgbClr val="000000"/>
                     </a:solidFill>
@@ -12271,7 +12276,7 @@
               </a:ln>
               <a:extLst>
                 <a:ext uri="{91240B29-F687-4f45-9708-019B960494DF}">
-                  <a14:hiddenLine xmlns:a14="http://schemas.microsoft.com/office/drawing/2010/main" xmlns="" w="9525">
+                  <a14:hiddenLine xmlns="" xmlns:a14="http://schemas.microsoft.com/office/drawing/2010/main" w="9525">
                     <a:solidFill>
                       <a:srgbClr val="000000"/>
                     </a:solidFill>
@@ -12339,7 +12344,7 @@
               </a:ln>
               <a:extLst>
                 <a:ext uri="{91240B29-F687-4f45-9708-019B960494DF}">
-                  <a14:hiddenLine xmlns:a14="http://schemas.microsoft.com/office/drawing/2010/main" xmlns="" w="9525">
+                  <a14:hiddenLine xmlns="" xmlns:a14="http://schemas.microsoft.com/office/drawing/2010/main" w="9525">
                     <a:solidFill>
                       <a:srgbClr val="000000"/>
                     </a:solidFill>
@@ -12429,7 +12434,7 @@
               </a:ln>
               <a:extLst>
                 <a:ext uri="{91240B29-F687-4f45-9708-019B960494DF}">
-                  <a14:hiddenLine xmlns:a14="http://schemas.microsoft.com/office/drawing/2010/main" xmlns="" w="9525">
+                  <a14:hiddenLine xmlns="" xmlns:a14="http://schemas.microsoft.com/office/drawing/2010/main" w="9525">
                     <a:solidFill>
                       <a:srgbClr val="000000"/>
                     </a:solidFill>
@@ -12463,7 +12468,7 @@
               </a:ln>
               <a:extLst>
                 <a:ext uri="{91240B29-F687-4f45-9708-019B960494DF}">
-                  <a14:hiddenLine xmlns:a14="http://schemas.microsoft.com/office/drawing/2010/main" xmlns="" w="9525">
+                  <a14:hiddenLine xmlns="" xmlns:a14="http://schemas.microsoft.com/office/drawing/2010/main" w="9525">
                     <a:solidFill>
                       <a:srgbClr val="000000"/>
                     </a:solidFill>
@@ -13472,7 +13477,7 @@
           <a:p>
             <a:r>
               <a:rPr lang="es-CL" dirty="0"/>
-              <a:t>https://drive.google.com/file/d/1ctiIb79R8Fj7vzwnFZRDOXVPDmzeUKyx/view?usp=sharing</a:t>
+              <a:t>https://drive.google.com/file/d/1x3Ae8liM4D89_zypfga6P-_UDbDUrqlB/view?usp=sharing</a:t>
             </a:r>
           </a:p>
         </p:txBody>
@@ -13591,16 +13596,8 @@
               <a:t>Desarrollo de un menú </a:t>
             </a:r>
             <a:r>
-              <a:rPr lang="es-CL" dirty="0" err="1"/>
+              <a:rPr lang="es-CL"/>
               <a:t>pre-gampley</a:t>
-            </a:r>
-            <a:r>
-              <a:rPr lang="es-CL" dirty="0"/>
-              <a:t> y </a:t>
-            </a:r>
-            <a:r>
-              <a:rPr lang="es-CL" dirty="0" err="1"/>
-              <a:t>post-gameplay</a:t>
             </a:r>
             <a:endParaRPr lang="es-CL" dirty="0"/>
           </a:p>
